--- a/document/flow-chart.pptx
+++ b/document/flow-chart.pptx
@@ -5417,7 +5417,7 @@
         </p:nvSpPr>
         <p:spPr>
           <a:xfrm>
-            <a:off x="3542025" y="187550"/>
+            <a:off x="4587750" y="396725"/>
             <a:ext cx="1428300" cy="326400"/>
           </a:xfrm>
           <a:prstGeom prst="roundRect">
@@ -5454,10 +5454,10 @@
               <a:buNone/>
             </a:pPr>
             <a:r>
-              <a:rPr lang="ko"/>
+              <a:rPr lang="ko" sz="1000"/>
               <a:t>Query 입력</a:t>
             </a:r>
-            <a:endParaRPr/>
+            <a:endParaRPr sz="1000"/>
           </a:p>
         </p:txBody>
       </p:sp>
@@ -5469,7 +5469,7 @@
         </p:nvSpPr>
         <p:spPr>
           <a:xfrm>
-            <a:off x="3241425" y="760600"/>
+            <a:off x="4287150" y="969775"/>
             <a:ext cx="2029500" cy="1077600"/>
           </a:xfrm>
           <a:prstGeom prst="diamond">
@@ -5518,7 +5518,7 @@
         </p:nvSpPr>
         <p:spPr>
           <a:xfrm>
-            <a:off x="3463426" y="1050376"/>
+            <a:off x="4509151" y="1259551"/>
             <a:ext cx="1807500" cy="383100"/>
           </a:xfrm>
           <a:prstGeom prst="rect">
@@ -5545,14 +5545,14 @@
               <a:buNone/>
             </a:pPr>
             <a:r>
-              <a:rPr lang="ko" sz="1200">
+              <a:rPr lang="ko" sz="1000">
                 <a:solidFill>
                   <a:schemeClr val="dk1"/>
                 </a:solidFill>
               </a:rPr>
               <a:t>Query가 Local DB에 </a:t>
             </a:r>
-            <a:endParaRPr sz="1200">
+            <a:endParaRPr sz="1000">
               <a:solidFill>
                 <a:schemeClr val="dk1"/>
               </a:solidFill>
@@ -5574,14 +5574,14 @@
               <a:buNone/>
             </a:pPr>
             <a:r>
-              <a:rPr lang="ko" sz="1200">
+              <a:rPr lang="ko" sz="1000">
                 <a:solidFill>
                   <a:schemeClr val="dk1"/>
                 </a:solidFill>
               </a:rPr>
               <a:t>저장되어 있는가?</a:t>
             </a:r>
-            <a:endParaRPr sz="1200"/>
+            <a:endParaRPr sz="1000"/>
           </a:p>
         </p:txBody>
       </p:sp>
@@ -5593,7 +5593,7 @@
         </p:nvSpPr>
         <p:spPr>
           <a:xfrm>
-            <a:off x="1211925" y="1632000"/>
+            <a:off x="2257650" y="1841175"/>
             <a:ext cx="2029500" cy="1077600"/>
           </a:xfrm>
           <a:prstGeom prst="diamond">
@@ -5642,7 +5642,7 @@
         </p:nvSpPr>
         <p:spPr>
           <a:xfrm>
-            <a:off x="1766676" y="1969901"/>
+            <a:off x="2812401" y="2179076"/>
             <a:ext cx="1807500" cy="383100"/>
           </a:xfrm>
           <a:prstGeom prst="rect">
@@ -5669,14 +5669,14 @@
               <a:buNone/>
             </a:pPr>
             <a:r>
-              <a:rPr lang="ko">
+              <a:rPr lang="ko" sz="1000">
                 <a:solidFill>
                   <a:schemeClr val="dk1"/>
                 </a:solidFill>
               </a:rPr>
               <a:t>30분 초과?</a:t>
             </a:r>
-            <a:endParaRPr/>
+            <a:endParaRPr sz="1000"/>
           </a:p>
         </p:txBody>
       </p:sp>
@@ -5691,7 +5691,7 @@
         </p:nvCxnSpPr>
         <p:spPr>
           <a:xfrm>
-            <a:off x="4256175" y="513950"/>
+            <a:off x="5301900" y="723125"/>
             <a:ext cx="0" cy="246600"/>
           </a:xfrm>
           <a:prstGeom prst="straightConnector1">
@@ -5720,7 +5720,7 @@
         </p:nvCxnSpPr>
         <p:spPr>
           <a:xfrm flipH="1">
-            <a:off x="2226825" y="1299400"/>
+            <a:off x="3272550" y="1508575"/>
             <a:ext cx="1014600" cy="332700"/>
           </a:xfrm>
           <a:prstGeom prst="bentConnector2">
@@ -5746,8 +5746,8 @@
         </p:nvSpPr>
         <p:spPr>
           <a:xfrm>
-            <a:off x="2084825" y="923325"/>
-            <a:ext cx="519300" cy="484800"/>
+            <a:off x="3200250" y="1211821"/>
+            <a:ext cx="519300" cy="246600"/>
           </a:xfrm>
           <a:prstGeom prst="rect">
             <a:avLst/>
@@ -5773,10 +5773,10 @@
               <a:buNone/>
             </a:pPr>
             <a:r>
-              <a:rPr lang="ko"/>
+              <a:rPr lang="ko" sz="1000"/>
               <a:t>Yes</a:t>
             </a:r>
-            <a:endParaRPr/>
+            <a:endParaRPr sz="1000"/>
           </a:p>
         </p:txBody>
       </p:sp>
@@ -5788,8 +5788,8 @@
         </p:nvSpPr>
         <p:spPr>
           <a:xfrm>
-            <a:off x="3241425" y="3376100"/>
-            <a:ext cx="2029500" cy="484800"/>
+            <a:off x="4490700" y="2573875"/>
+            <a:ext cx="1622400" cy="383100"/>
           </a:xfrm>
           <a:prstGeom prst="rect">
             <a:avLst/>
@@ -5823,10 +5823,10 @@
               <a:buNone/>
             </a:pPr>
             <a:r>
-              <a:rPr lang="ko"/>
+              <a:rPr lang="ko" sz="1000"/>
               <a:t>Network 요청</a:t>
             </a:r>
-            <a:endParaRPr/>
+            <a:endParaRPr sz="1000"/>
           </a:p>
         </p:txBody>
       </p:sp>
@@ -5835,18 +5835,19 @@
           <p:cNvPr id="63" name="Google Shape;63;p13"/>
           <p:cNvCxnSpPr>
             <a:stCxn id="57" idx="2"/>
-            <a:endCxn id="62" idx="0"/>
+            <a:endCxn id="62" idx="1"/>
           </p:cNvCxnSpPr>
           <p:nvPr/>
         </p:nvCxnSpPr>
         <p:spPr>
-          <a:xfrm flipH="1" rot="-5400000">
-            <a:off x="2908125" y="2028150"/>
-            <a:ext cx="666600" cy="2029500"/>
+          <a:xfrm rot="-5400000">
+            <a:off x="3804900" y="2232975"/>
+            <a:ext cx="153300" cy="1218300"/>
           </a:xfrm>
-          <a:prstGeom prst="bentConnector3">
+          <a:prstGeom prst="bentConnector4">
             <a:avLst>
-              <a:gd fmla="val 49992" name="adj1"/>
+              <a:gd fmla="val -155333" name="adj1"/>
+              <a:gd fmla="val 91646" name="adj2"/>
             </a:avLst>
           </a:prstGeom>
           <a:noFill/>
@@ -5872,12 +5873,12 @@
         </p:nvCxnSpPr>
         <p:spPr>
           <a:xfrm flipH="1" rot="-5400000">
-            <a:off x="3487575" y="2606800"/>
-            <a:ext cx="1537800" cy="600"/>
+            <a:off x="5038950" y="2310325"/>
+            <a:ext cx="526500" cy="600"/>
           </a:xfrm>
           <a:prstGeom prst="bentConnector3">
             <a:avLst>
-              <a:gd fmla="val 50003" name="adj1"/>
+              <a:gd fmla="val 50000" name="adj1"/>
             </a:avLst>
           </a:prstGeom>
           <a:noFill/>
@@ -5900,7 +5901,7 @@
         </p:nvSpPr>
         <p:spPr>
           <a:xfrm>
-            <a:off x="4256175" y="1919050"/>
+            <a:off x="5301900" y="2128225"/>
             <a:ext cx="519300" cy="484800"/>
           </a:xfrm>
           <a:prstGeom prst="rect">
@@ -5927,10 +5928,10 @@
               <a:buNone/>
             </a:pPr>
             <a:r>
-              <a:rPr lang="ko"/>
+              <a:rPr lang="ko" sz="1000"/>
               <a:t>No</a:t>
             </a:r>
-            <a:endParaRPr/>
+            <a:endParaRPr sz="1000"/>
           </a:p>
         </p:txBody>
       </p:sp>
@@ -5942,8 +5943,8 @@
         </p:nvSpPr>
         <p:spPr>
           <a:xfrm>
-            <a:off x="1720175" y="2767000"/>
-            <a:ext cx="519300" cy="484800"/>
+            <a:off x="3272550" y="2899975"/>
+            <a:ext cx="448800" cy="292800"/>
           </a:xfrm>
           <a:prstGeom prst="rect">
             <a:avLst/>
@@ -5969,10 +5970,10 @@
               <a:buNone/>
             </a:pPr>
             <a:r>
-              <a:rPr lang="ko"/>
+              <a:rPr lang="ko" sz="1000"/>
               <a:t>Yes</a:t>
             </a:r>
-            <a:endParaRPr/>
+            <a:endParaRPr sz="1000"/>
           </a:p>
         </p:txBody>
       </p:sp>
@@ -5980,14 +5981,15 @@
         <p:nvCxnSpPr>
           <p:cNvPr id="67" name="Google Shape;67;p13"/>
           <p:cNvCxnSpPr>
+            <a:stCxn id="55" idx="2"/>
             <a:endCxn id="62" idx="0"/>
           </p:cNvCxnSpPr>
           <p:nvPr/>
         </p:nvCxnSpPr>
         <p:spPr>
           <a:xfrm>
-            <a:off x="4256175" y="1832300"/>
-            <a:ext cx="0" cy="1543800"/>
+            <a:off x="5301900" y="2047375"/>
+            <a:ext cx="0" cy="526500"/>
           </a:xfrm>
           <a:prstGeom prst="straightConnector1">
             <a:avLst/>
@@ -6004,6 +6006,158 @@
           </a:ln>
         </p:spPr>
       </p:cxnSp>
+      <p:sp>
+        <p:nvSpPr>
+          <p:cNvPr id="68" name="Google Shape;68;p13"/>
+          <p:cNvSpPr/>
+          <p:nvPr/>
+        </p:nvSpPr>
+        <p:spPr>
+          <a:xfrm>
+            <a:off x="4491000" y="3392450"/>
+            <a:ext cx="1622400" cy="383100"/>
+          </a:xfrm>
+          <a:prstGeom prst="rect">
+            <a:avLst/>
+          </a:prstGeom>
+          <a:solidFill>
+            <a:schemeClr val="lt2"/>
+          </a:solidFill>
+          <a:ln cap="flat" cmpd="sng" w="9525">
+            <a:solidFill>
+              <a:schemeClr val="dk2"/>
+            </a:solidFill>
+            <a:prstDash val="solid"/>
+            <a:round/>
+            <a:headEnd len="sm" w="sm" type="none"/>
+            <a:tailEnd len="sm" w="sm" type="none"/>
+          </a:ln>
+        </p:spPr>
+        <p:txBody>
+          <a:bodyPr anchorCtr="0" anchor="ctr" bIns="91425" lIns="91425" spcFirstLastPara="1" rIns="91425" wrap="square" tIns="91425">
+            <a:noAutofit/>
+          </a:bodyPr>
+          <a:lstStyle/>
+          <a:p>
+            <a:pPr indent="0" lvl="0" marL="0" rtl="0" algn="ctr">
+              <a:spcBef>
+                <a:spcPts val="0"/>
+              </a:spcBef>
+              <a:spcAft>
+                <a:spcPts val="0"/>
+              </a:spcAft>
+              <a:buNone/>
+            </a:pPr>
+            <a:r>
+              <a:rPr lang="ko" sz="1000"/>
+              <a:t>화면 업데이트</a:t>
+            </a:r>
+            <a:endParaRPr sz="1000"/>
+          </a:p>
+        </p:txBody>
+      </p:sp>
+      <p:cxnSp>
+        <p:nvCxnSpPr>
+          <p:cNvPr id="69" name="Google Shape;69;p13"/>
+          <p:cNvCxnSpPr>
+            <a:stCxn id="62" idx="2"/>
+            <a:endCxn id="68" idx="0"/>
+          </p:cNvCxnSpPr>
+          <p:nvPr/>
+        </p:nvCxnSpPr>
+        <p:spPr>
+          <a:xfrm>
+            <a:off x="5301900" y="2956975"/>
+            <a:ext cx="300" cy="435600"/>
+          </a:xfrm>
+          <a:prstGeom prst="straightConnector1">
+            <a:avLst/>
+          </a:prstGeom>
+          <a:noFill/>
+          <a:ln cap="flat" cmpd="sng" w="9525">
+            <a:solidFill>
+              <a:schemeClr val="dk2"/>
+            </a:solidFill>
+            <a:prstDash val="solid"/>
+            <a:round/>
+            <a:headEnd len="med" w="med" type="none"/>
+            <a:tailEnd len="med" w="med" type="triangle"/>
+          </a:ln>
+        </p:spPr>
+      </p:cxnSp>
+      <p:cxnSp>
+        <p:nvCxnSpPr>
+          <p:cNvPr id="70" name="Google Shape;70;p13"/>
+          <p:cNvCxnSpPr>
+            <a:stCxn id="57" idx="1"/>
+            <a:endCxn id="68" idx="1"/>
+          </p:cNvCxnSpPr>
+          <p:nvPr/>
+        </p:nvCxnSpPr>
+        <p:spPr>
+          <a:xfrm>
+            <a:off x="2257650" y="2379975"/>
+            <a:ext cx="2233500" cy="1203900"/>
+          </a:xfrm>
+          <a:prstGeom prst="bentConnector3">
+            <a:avLst>
+              <a:gd fmla="val -10662" name="adj1"/>
+            </a:avLst>
+          </a:prstGeom>
+          <a:noFill/>
+          <a:ln cap="flat" cmpd="sng" w="9525">
+            <a:solidFill>
+              <a:schemeClr val="dk2"/>
+            </a:solidFill>
+            <a:prstDash val="solid"/>
+            <a:round/>
+            <a:headEnd len="med" w="med" type="none"/>
+            <a:tailEnd len="med" w="med" type="none"/>
+          </a:ln>
+        </p:spPr>
+      </p:cxnSp>
+      <p:sp>
+        <p:nvSpPr>
+          <p:cNvPr id="71" name="Google Shape;71;p13"/>
+          <p:cNvSpPr txBox="1"/>
+          <p:nvPr/>
+        </p:nvSpPr>
+        <p:spPr>
+          <a:xfrm>
+            <a:off x="1605300" y="2379975"/>
+            <a:ext cx="448800" cy="292800"/>
+          </a:xfrm>
+          <a:prstGeom prst="rect">
+            <a:avLst/>
+          </a:prstGeom>
+          <a:noFill/>
+          <a:ln>
+            <a:noFill/>
+          </a:ln>
+        </p:spPr>
+        <p:txBody>
+          <a:bodyPr anchorCtr="0" anchor="t" bIns="91425" lIns="91425" spcFirstLastPara="1" rIns="91425" wrap="square" tIns="91425">
+            <a:noAutofit/>
+          </a:bodyPr>
+          <a:lstStyle/>
+          <a:p>
+            <a:pPr indent="0" lvl="0" marL="0" rtl="0" algn="l">
+              <a:spcBef>
+                <a:spcPts val="0"/>
+              </a:spcBef>
+              <a:spcAft>
+                <a:spcPts val="0"/>
+              </a:spcAft>
+              <a:buNone/>
+            </a:pPr>
+            <a:r>
+              <a:rPr lang="ko" sz="1000"/>
+              <a:t>No</a:t>
+            </a:r>
+            <a:endParaRPr sz="1000"/>
+          </a:p>
+        </p:txBody>
+      </p:sp>
     </p:spTree>
   </p:cSld>
   <p:clrMapOvr>
@@ -6013,6 +6167,285 @@
 </file>
 
 <file path=ppt/theme/theme1.xml><?xml version="1.0" encoding="utf-8"?>
+<a:theme xmlns:a="http://schemas.openxmlformats.org/drawingml/2006/main" xmlns:r="http://schemas.openxmlformats.org/officeDocument/2006/relationships" name="Simple Light">
+  <a:themeElements>
+    <a:clrScheme name="Simple Light">
+      <a:dk1>
+        <a:srgbClr val="000000"/>
+      </a:dk1>
+      <a:lt1>
+        <a:srgbClr val="FFFFFF"/>
+      </a:lt1>
+      <a:dk2>
+        <a:srgbClr val="595959"/>
+      </a:dk2>
+      <a:lt2>
+        <a:srgbClr val="EEEEEE"/>
+      </a:lt2>
+      <a:accent1>
+        <a:srgbClr val="FFAB40"/>
+      </a:accent1>
+      <a:accent2>
+        <a:srgbClr val="212121"/>
+      </a:accent2>
+      <a:accent3>
+        <a:srgbClr val="78909C"/>
+      </a:accent3>
+      <a:accent4>
+        <a:srgbClr val="FFAB40"/>
+      </a:accent4>
+      <a:accent5>
+        <a:srgbClr val="0097A7"/>
+      </a:accent5>
+      <a:accent6>
+        <a:srgbClr val="EEFF41"/>
+      </a:accent6>
+      <a:hlink>
+        <a:srgbClr val="0097A7"/>
+      </a:hlink>
+      <a:folHlink>
+        <a:srgbClr val="0097A7"/>
+      </a:folHlink>
+    </a:clrScheme>
+    <a:fontScheme name="Office">
+      <a:majorFont>
+        <a:latin typeface="Arial"/>
+        <a:ea typeface=""/>
+        <a:cs typeface=""/>
+        <a:font script="Jpan" typeface="ＭＳ Ｐゴシック"/>
+        <a:font script="Hang" typeface="맑은 고딕"/>
+        <a:font script="Hans" typeface="宋体"/>
+        <a:font script="Hant" typeface="新細明體"/>
+        <a:font script="Arab" typeface="Times New Roman"/>
+        <a:font script="Hebr" typeface="Times New Roman"/>
+        <a:font script="Thai" typeface="Angsana New"/>
+        <a:font script="Ethi" typeface="Nyala"/>
+        <a:font script="Beng" typeface="Vrinda"/>
+        <a:font script="Gujr" typeface="Shruti"/>
+        <a:font script="Khmr" typeface="MoolBoran"/>
+        <a:font script="Knda" typeface="Tunga"/>
+        <a:font script="Guru" typeface="Raavi"/>
+        <a:font script="Cans" typeface="Euphemia"/>
+        <a:font script="Cher" typeface="Plantagenet Cherokee"/>
+        <a:font script="Yiii" typeface="Microsoft Yi Baiti"/>
+        <a:font script="Tibt" typeface="Microsoft Himalaya"/>
+        <a:font script="Thaa" typeface="MV Boli"/>
+        <a:font script="Deva" typeface="Mangal"/>
+        <a:font script="Telu" typeface="Gautami"/>
+        <a:font script="Taml" typeface="Latha"/>
+        <a:font script="Syrc" typeface="Estrangelo Edessa"/>
+        <a:font script="Orya" typeface="Kalinga"/>
+        <a:font script="Mlym" typeface="Kartika"/>
+        <a:font script="Laoo" typeface="DokChampa"/>
+        <a:font script="Sinh" typeface="Iskoola Pota"/>
+        <a:font script="Mong" typeface="Mongolian Baiti"/>
+        <a:font script="Viet" typeface="Times New Roman"/>
+        <a:font script="Uigh" typeface="Microsoft Uighur"/>
+        <a:font script="Geor" typeface="Sylfaen"/>
+      </a:majorFont>
+      <a:minorFont>
+        <a:latin typeface="Arial"/>
+        <a:ea typeface=""/>
+        <a:cs typeface=""/>
+        <a:font script="Jpan" typeface="ＭＳ Ｐゴシック"/>
+        <a:font script="Hang" typeface="맑은 고딕"/>
+        <a:font script="Hans" typeface="宋体"/>
+        <a:font script="Hant" typeface="新細明體"/>
+        <a:font script="Arab" typeface="Arial"/>
+        <a:font script="Hebr" typeface="Arial"/>
+        <a:font script="Thai" typeface="Cordia New"/>
+        <a:font script="Ethi" typeface="Nyala"/>
+        <a:font script="Beng" typeface="Vrinda"/>
+        <a:font script="Gujr" typeface="Shruti"/>
+        <a:font script="Khmr" typeface="DaunPenh"/>
+        <a:font script="Knda" typeface="Tunga"/>
+        <a:font script="Guru" typeface="Raavi"/>
+        <a:font script="Cans" typeface="Euphemia"/>
+        <a:font script="Cher" typeface="Plantagenet Cherokee"/>
+        <a:font script="Yiii" typeface="Microsoft Yi Baiti"/>
+        <a:font script="Tibt" typeface="Microsoft Himalaya"/>
+        <a:font script="Thaa" typeface="MV Boli"/>
+        <a:font script="Deva" typeface="Mangal"/>
+        <a:font script="Telu" typeface="Gautami"/>
+        <a:font script="Taml" typeface="Latha"/>
+        <a:font script="Syrc" typeface="Estrangelo Edessa"/>
+        <a:font script="Orya" typeface="Kalinga"/>
+        <a:font script="Mlym" typeface="Kartika"/>
+        <a:font script="Laoo" typeface="DokChampa"/>
+        <a:font script="Sinh" typeface="Iskoola Pota"/>
+        <a:font script="Mong" typeface="Mongolian Baiti"/>
+        <a:font script="Viet" typeface="Arial"/>
+        <a:font script="Uigh" typeface="Microsoft Uighur"/>
+        <a:font script="Geor" typeface="Sylfaen"/>
+      </a:minorFont>
+    </a:fontScheme>
+    <a:fmtScheme name="Office">
+      <a:fillStyleLst>
+        <a:solidFill>
+          <a:schemeClr val="phClr"/>
+        </a:solidFill>
+        <a:gradFill rotWithShape="1">
+          <a:gsLst>
+            <a:gs pos="0">
+              <a:schemeClr val="phClr">
+                <a:tint val="50000"/>
+                <a:satMod val="300000"/>
+              </a:schemeClr>
+            </a:gs>
+            <a:gs pos="35000">
+              <a:schemeClr val="phClr">
+                <a:tint val="37000"/>
+                <a:satMod val="300000"/>
+              </a:schemeClr>
+            </a:gs>
+            <a:gs pos="100000">
+              <a:schemeClr val="phClr">
+                <a:tint val="15000"/>
+                <a:satMod val="350000"/>
+              </a:schemeClr>
+            </a:gs>
+          </a:gsLst>
+          <a:lin ang="16200000" scaled="1"/>
+        </a:gradFill>
+        <a:gradFill rotWithShape="1">
+          <a:gsLst>
+            <a:gs pos="0">
+              <a:schemeClr val="phClr">
+                <a:tint val="100000"/>
+                <a:shade val="100000"/>
+                <a:satMod val="130000"/>
+              </a:schemeClr>
+            </a:gs>
+            <a:gs pos="100000">
+              <a:schemeClr val="phClr">
+                <a:tint val="50000"/>
+                <a:shade val="100000"/>
+                <a:satMod val="350000"/>
+              </a:schemeClr>
+            </a:gs>
+          </a:gsLst>
+          <a:lin ang="16200000" scaled="0"/>
+        </a:gradFill>
+      </a:fillStyleLst>
+      <a:lnStyleLst>
+        <a:ln w="9525" cap="flat" cmpd="sng" algn="ctr">
+          <a:solidFill>
+            <a:schemeClr val="phClr">
+              <a:shade val="95000"/>
+              <a:satMod val="105000"/>
+            </a:schemeClr>
+          </a:solidFill>
+          <a:prstDash val="solid"/>
+        </a:ln>
+        <a:ln w="25400" cap="flat" cmpd="sng" algn="ctr">
+          <a:solidFill>
+            <a:schemeClr val="phClr"/>
+          </a:solidFill>
+          <a:prstDash val="solid"/>
+        </a:ln>
+        <a:ln w="38100" cap="flat" cmpd="sng" algn="ctr">
+          <a:solidFill>
+            <a:schemeClr val="phClr"/>
+          </a:solidFill>
+          <a:prstDash val="solid"/>
+        </a:ln>
+      </a:lnStyleLst>
+      <a:effectStyleLst>
+        <a:effectStyle>
+          <a:effectLst>
+            <a:outerShdw blurRad="40000" dist="20000" dir="5400000" rotWithShape="0">
+              <a:srgbClr val="000000">
+                <a:alpha val="38000"/>
+              </a:srgbClr>
+            </a:outerShdw>
+          </a:effectLst>
+        </a:effectStyle>
+        <a:effectStyle>
+          <a:effectLst>
+            <a:outerShdw blurRad="40000" dist="23000" dir="5400000" rotWithShape="0">
+              <a:srgbClr val="000000">
+                <a:alpha val="35000"/>
+              </a:srgbClr>
+            </a:outerShdw>
+          </a:effectLst>
+        </a:effectStyle>
+        <a:effectStyle>
+          <a:effectLst>
+            <a:outerShdw blurRad="40000" dist="23000" dir="5400000" rotWithShape="0">
+              <a:srgbClr val="000000">
+                <a:alpha val="35000"/>
+              </a:srgbClr>
+            </a:outerShdw>
+          </a:effectLst>
+          <a:scene3d>
+            <a:camera prst="orthographicFront">
+              <a:rot lat="0" lon="0" rev="0"/>
+            </a:camera>
+            <a:lightRig rig="threePt" dir="t">
+              <a:rot lat="0" lon="0" rev="1200000"/>
+            </a:lightRig>
+          </a:scene3d>
+          <a:sp3d>
+            <a:bevelT w="63500" h="25400"/>
+          </a:sp3d>
+        </a:effectStyle>
+      </a:effectStyleLst>
+      <a:bgFillStyleLst>
+        <a:solidFill>
+          <a:schemeClr val="phClr"/>
+        </a:solidFill>
+        <a:gradFill rotWithShape="1">
+          <a:gsLst>
+            <a:gs pos="0">
+              <a:schemeClr val="phClr">
+                <a:tint val="40000"/>
+                <a:satMod val="350000"/>
+              </a:schemeClr>
+            </a:gs>
+            <a:gs pos="40000">
+              <a:schemeClr val="phClr">
+                <a:tint val="45000"/>
+                <a:shade val="99000"/>
+                <a:satMod val="350000"/>
+              </a:schemeClr>
+            </a:gs>
+            <a:gs pos="100000">
+              <a:schemeClr val="phClr">
+                <a:shade val="20000"/>
+                <a:satMod val="255000"/>
+              </a:schemeClr>
+            </a:gs>
+          </a:gsLst>
+          <a:path path="circle">
+            <a:fillToRect l="50000" t="-80000" r="50000" b="180000"/>
+          </a:path>
+        </a:gradFill>
+        <a:gradFill rotWithShape="1">
+          <a:gsLst>
+            <a:gs pos="0">
+              <a:schemeClr val="phClr">
+                <a:tint val="80000"/>
+                <a:satMod val="300000"/>
+              </a:schemeClr>
+            </a:gs>
+            <a:gs pos="100000">
+              <a:schemeClr val="phClr">
+                <a:shade val="30000"/>
+                <a:satMod val="200000"/>
+              </a:schemeClr>
+            </a:gs>
+          </a:gsLst>
+          <a:path path="circle">
+            <a:fillToRect l="50000" t="50000" r="50000" b="50000"/>
+          </a:path>
+        </a:gradFill>
+      </a:bgFillStyleLst>
+    </a:fmtScheme>
+  </a:themeElements>
+</a:theme>
+</file>
+
+<file path=ppt/theme/theme2.xml><?xml version="1.0" encoding="utf-8"?>
 <a:theme xmlns:a="http://schemas.openxmlformats.org/drawingml/2006/main" xmlns:r="http://schemas.openxmlformats.org/officeDocument/2006/relationships">
   <a:themeElements>
     <a:clrScheme name="Default">
@@ -6289,283 +6722,4 @@
     </a:fmtScheme>
   </a:themeElements>
 </a:theme>
-</file>
-
-<file path=ppt/theme/theme2.xml><?xml version="1.0" encoding="utf-8"?>
-<a:theme xmlns:a="http://schemas.openxmlformats.org/drawingml/2006/main" xmlns:r="http://schemas.openxmlformats.org/officeDocument/2006/relationships" name="Simple Light">
-  <a:themeElements>
-    <a:clrScheme name="Simple Light">
-      <a:dk1>
-        <a:srgbClr val="000000"/>
-      </a:dk1>
-      <a:lt1>
-        <a:srgbClr val="FFFFFF"/>
-      </a:lt1>
-      <a:dk2>
-        <a:srgbClr val="595959"/>
-      </a:dk2>
-      <a:lt2>
-        <a:srgbClr val="EEEEEE"/>
-      </a:lt2>
-      <a:accent1>
-        <a:srgbClr val="FFAB40"/>
-      </a:accent1>
-      <a:accent2>
-        <a:srgbClr val="212121"/>
-      </a:accent2>
-      <a:accent3>
-        <a:srgbClr val="78909C"/>
-      </a:accent3>
-      <a:accent4>
-        <a:srgbClr val="FFAB40"/>
-      </a:accent4>
-      <a:accent5>
-        <a:srgbClr val="0097A7"/>
-      </a:accent5>
-      <a:accent6>
-        <a:srgbClr val="EEFF41"/>
-      </a:accent6>
-      <a:hlink>
-        <a:srgbClr val="0097A7"/>
-      </a:hlink>
-      <a:folHlink>
-        <a:srgbClr val="0097A7"/>
-      </a:folHlink>
-    </a:clrScheme>
-    <a:fontScheme name="Office">
-      <a:majorFont>
-        <a:latin typeface="Arial"/>
-        <a:ea typeface=""/>
-        <a:cs typeface=""/>
-        <a:font script="Jpan" typeface="ＭＳ Ｐゴシック"/>
-        <a:font script="Hang" typeface="맑은 고딕"/>
-        <a:font script="Hans" typeface="宋体"/>
-        <a:font script="Hant" typeface="新細明體"/>
-        <a:font script="Arab" typeface="Times New Roman"/>
-        <a:font script="Hebr" typeface="Times New Roman"/>
-        <a:font script="Thai" typeface="Angsana New"/>
-        <a:font script="Ethi" typeface="Nyala"/>
-        <a:font script="Beng" typeface="Vrinda"/>
-        <a:font script="Gujr" typeface="Shruti"/>
-        <a:font script="Khmr" typeface="MoolBoran"/>
-        <a:font script="Knda" typeface="Tunga"/>
-        <a:font script="Guru" typeface="Raavi"/>
-        <a:font script="Cans" typeface="Euphemia"/>
-        <a:font script="Cher" typeface="Plantagenet Cherokee"/>
-        <a:font script="Yiii" typeface="Microsoft Yi Baiti"/>
-        <a:font script="Tibt" typeface="Microsoft Himalaya"/>
-        <a:font script="Thaa" typeface="MV Boli"/>
-        <a:font script="Deva" typeface="Mangal"/>
-        <a:font script="Telu" typeface="Gautami"/>
-        <a:font script="Taml" typeface="Latha"/>
-        <a:font script="Syrc" typeface="Estrangelo Edessa"/>
-        <a:font script="Orya" typeface="Kalinga"/>
-        <a:font script="Mlym" typeface="Kartika"/>
-        <a:font script="Laoo" typeface="DokChampa"/>
-        <a:font script="Sinh" typeface="Iskoola Pota"/>
-        <a:font script="Mong" typeface="Mongolian Baiti"/>
-        <a:font script="Viet" typeface="Times New Roman"/>
-        <a:font script="Uigh" typeface="Microsoft Uighur"/>
-        <a:font script="Geor" typeface="Sylfaen"/>
-      </a:majorFont>
-      <a:minorFont>
-        <a:latin typeface="Arial"/>
-        <a:ea typeface=""/>
-        <a:cs typeface=""/>
-        <a:font script="Jpan" typeface="ＭＳ Ｐゴシック"/>
-        <a:font script="Hang" typeface="맑은 고딕"/>
-        <a:font script="Hans" typeface="宋体"/>
-        <a:font script="Hant" typeface="新細明體"/>
-        <a:font script="Arab" typeface="Arial"/>
-        <a:font script="Hebr" typeface="Arial"/>
-        <a:font script="Thai" typeface="Cordia New"/>
-        <a:font script="Ethi" typeface="Nyala"/>
-        <a:font script="Beng" typeface="Vrinda"/>
-        <a:font script="Gujr" typeface="Shruti"/>
-        <a:font script="Khmr" typeface="DaunPenh"/>
-        <a:font script="Knda" typeface="Tunga"/>
-        <a:font script="Guru" typeface="Raavi"/>
-        <a:font script="Cans" typeface="Euphemia"/>
-        <a:font script="Cher" typeface="Plantagenet Cherokee"/>
-        <a:font script="Yiii" typeface="Microsoft Yi Baiti"/>
-        <a:font script="Tibt" typeface="Microsoft Himalaya"/>
-        <a:font script="Thaa" typeface="MV Boli"/>
-        <a:font script="Deva" typeface="Mangal"/>
-        <a:font script="Telu" typeface="Gautami"/>
-        <a:font script="Taml" typeface="Latha"/>
-        <a:font script="Syrc" typeface="Estrangelo Edessa"/>
-        <a:font script="Orya" typeface="Kalinga"/>
-        <a:font script="Mlym" typeface="Kartika"/>
-        <a:font script="Laoo" typeface="DokChampa"/>
-        <a:font script="Sinh" typeface="Iskoola Pota"/>
-        <a:font script="Mong" typeface="Mongolian Baiti"/>
-        <a:font script="Viet" typeface="Arial"/>
-        <a:font script="Uigh" typeface="Microsoft Uighur"/>
-        <a:font script="Geor" typeface="Sylfaen"/>
-      </a:minorFont>
-    </a:fontScheme>
-    <a:fmtScheme name="Office">
-      <a:fillStyleLst>
-        <a:solidFill>
-          <a:schemeClr val="phClr"/>
-        </a:solidFill>
-        <a:gradFill rotWithShape="1">
-          <a:gsLst>
-            <a:gs pos="0">
-              <a:schemeClr val="phClr">
-                <a:tint val="50000"/>
-                <a:satMod val="300000"/>
-              </a:schemeClr>
-            </a:gs>
-            <a:gs pos="35000">
-              <a:schemeClr val="phClr">
-                <a:tint val="37000"/>
-                <a:satMod val="300000"/>
-              </a:schemeClr>
-            </a:gs>
-            <a:gs pos="100000">
-              <a:schemeClr val="phClr">
-                <a:tint val="15000"/>
-                <a:satMod val="350000"/>
-              </a:schemeClr>
-            </a:gs>
-          </a:gsLst>
-          <a:lin ang="16200000" scaled="1"/>
-        </a:gradFill>
-        <a:gradFill rotWithShape="1">
-          <a:gsLst>
-            <a:gs pos="0">
-              <a:schemeClr val="phClr">
-                <a:tint val="100000"/>
-                <a:shade val="100000"/>
-                <a:satMod val="130000"/>
-              </a:schemeClr>
-            </a:gs>
-            <a:gs pos="100000">
-              <a:schemeClr val="phClr">
-                <a:tint val="50000"/>
-                <a:shade val="100000"/>
-                <a:satMod val="350000"/>
-              </a:schemeClr>
-            </a:gs>
-          </a:gsLst>
-          <a:lin ang="16200000" scaled="0"/>
-        </a:gradFill>
-      </a:fillStyleLst>
-      <a:lnStyleLst>
-        <a:ln w="9525" cap="flat" cmpd="sng" algn="ctr">
-          <a:solidFill>
-            <a:schemeClr val="phClr">
-              <a:shade val="95000"/>
-              <a:satMod val="105000"/>
-            </a:schemeClr>
-          </a:solidFill>
-          <a:prstDash val="solid"/>
-        </a:ln>
-        <a:ln w="25400" cap="flat" cmpd="sng" algn="ctr">
-          <a:solidFill>
-            <a:schemeClr val="phClr"/>
-          </a:solidFill>
-          <a:prstDash val="solid"/>
-        </a:ln>
-        <a:ln w="38100" cap="flat" cmpd="sng" algn="ctr">
-          <a:solidFill>
-            <a:schemeClr val="phClr"/>
-          </a:solidFill>
-          <a:prstDash val="solid"/>
-        </a:ln>
-      </a:lnStyleLst>
-      <a:effectStyleLst>
-        <a:effectStyle>
-          <a:effectLst>
-            <a:outerShdw blurRad="40000" dist="20000" dir="5400000" rotWithShape="0">
-              <a:srgbClr val="000000">
-                <a:alpha val="38000"/>
-              </a:srgbClr>
-            </a:outerShdw>
-          </a:effectLst>
-        </a:effectStyle>
-        <a:effectStyle>
-          <a:effectLst>
-            <a:outerShdw blurRad="40000" dist="23000" dir="5400000" rotWithShape="0">
-              <a:srgbClr val="000000">
-                <a:alpha val="35000"/>
-              </a:srgbClr>
-            </a:outerShdw>
-          </a:effectLst>
-        </a:effectStyle>
-        <a:effectStyle>
-          <a:effectLst>
-            <a:outerShdw blurRad="40000" dist="23000" dir="5400000" rotWithShape="0">
-              <a:srgbClr val="000000">
-                <a:alpha val="35000"/>
-              </a:srgbClr>
-            </a:outerShdw>
-          </a:effectLst>
-          <a:scene3d>
-            <a:camera prst="orthographicFront">
-              <a:rot lat="0" lon="0" rev="0"/>
-            </a:camera>
-            <a:lightRig rig="threePt" dir="t">
-              <a:rot lat="0" lon="0" rev="1200000"/>
-            </a:lightRig>
-          </a:scene3d>
-          <a:sp3d>
-            <a:bevelT w="63500" h="25400"/>
-          </a:sp3d>
-        </a:effectStyle>
-      </a:effectStyleLst>
-      <a:bgFillStyleLst>
-        <a:solidFill>
-          <a:schemeClr val="phClr"/>
-        </a:solidFill>
-        <a:gradFill rotWithShape="1">
-          <a:gsLst>
-            <a:gs pos="0">
-              <a:schemeClr val="phClr">
-                <a:tint val="40000"/>
-                <a:satMod val="350000"/>
-              </a:schemeClr>
-            </a:gs>
-            <a:gs pos="40000">
-              <a:schemeClr val="phClr">
-                <a:tint val="45000"/>
-                <a:shade val="99000"/>
-                <a:satMod val="350000"/>
-              </a:schemeClr>
-            </a:gs>
-            <a:gs pos="100000">
-              <a:schemeClr val="phClr">
-                <a:shade val="20000"/>
-                <a:satMod val="255000"/>
-              </a:schemeClr>
-            </a:gs>
-          </a:gsLst>
-          <a:path path="circle">
-            <a:fillToRect l="50000" t="-80000" r="50000" b="180000"/>
-          </a:path>
-        </a:gradFill>
-        <a:gradFill rotWithShape="1">
-          <a:gsLst>
-            <a:gs pos="0">
-              <a:schemeClr val="phClr">
-                <a:tint val="80000"/>
-                <a:satMod val="300000"/>
-              </a:schemeClr>
-            </a:gs>
-            <a:gs pos="100000">
-              <a:schemeClr val="phClr">
-                <a:shade val="30000"/>
-                <a:satMod val="200000"/>
-              </a:schemeClr>
-            </a:gs>
-          </a:gsLst>
-          <a:path path="circle">
-            <a:fillToRect l="50000" t="50000" r="50000" b="50000"/>
-          </a:path>
-        </a:gradFill>
-      </a:bgFillStyleLst>
-    </a:fmtScheme>
-  </a:themeElements>
-</a:theme>
 </file>